--- a/Challenge Gold/LaporanAnalysis.pptx
+++ b/Challenge Gold/LaporanAnalysis.pptx
@@ -202,7 +202,7 @@
           <a:p>
             <a:fld id="{ED10F103-DE72-4A80-AA03-2B63516342DB}" type="datetimeFigureOut">
               <a:rPr lang="en-ID" smtClean="0"/>
-              <a:t>12/11/2023</a:t>
+              <a:t>13/11/2023</a:t>
             </a:fld>
             <a:endParaRPr lang="en-ID"/>
           </a:p>
@@ -638,7 +638,7 @@
           <a:p>
             <a:fld id="{FE50442F-C92B-412C-A847-3DDD870F9E1D}" type="datetimeFigureOut">
               <a:rPr lang="en-ID" smtClean="0"/>
-              <a:t>12/11/2023</a:t>
+              <a:t>13/11/2023</a:t>
             </a:fld>
             <a:endParaRPr lang="en-ID"/>
           </a:p>
@@ -866,7 +866,7 @@
           <a:p>
             <a:fld id="{FE50442F-C92B-412C-A847-3DDD870F9E1D}" type="datetimeFigureOut">
               <a:rPr lang="en-ID" smtClean="0"/>
-              <a:t>12/11/2023</a:t>
+              <a:t>13/11/2023</a:t>
             </a:fld>
             <a:endParaRPr lang="en-ID"/>
           </a:p>
@@ -1046,7 +1046,7 @@
           <a:p>
             <a:fld id="{FE50442F-C92B-412C-A847-3DDD870F9E1D}" type="datetimeFigureOut">
               <a:rPr lang="en-ID" smtClean="0"/>
-              <a:t>12/11/2023</a:t>
+              <a:t>13/11/2023</a:t>
             </a:fld>
             <a:endParaRPr lang="en-ID"/>
           </a:p>
@@ -1216,7 +1216,7 @@
           <a:p>
             <a:fld id="{FE50442F-C92B-412C-A847-3DDD870F9E1D}" type="datetimeFigureOut">
               <a:rPr lang="en-ID" smtClean="0"/>
-              <a:t>12/11/2023</a:t>
+              <a:t>13/11/2023</a:t>
             </a:fld>
             <a:endParaRPr lang="en-ID"/>
           </a:p>
@@ -1470,7 +1470,7 @@
           <a:p>
             <a:fld id="{FE50442F-C92B-412C-A847-3DDD870F9E1D}" type="datetimeFigureOut">
               <a:rPr lang="en-ID" smtClean="0"/>
-              <a:t>12/11/2023</a:t>
+              <a:t>13/11/2023</a:t>
             </a:fld>
             <a:endParaRPr lang="en-ID"/>
           </a:p>
@@ -1796,7 +1796,7 @@
           <a:p>
             <a:fld id="{FE50442F-C92B-412C-A847-3DDD870F9E1D}" type="datetimeFigureOut">
               <a:rPr lang="en-ID" smtClean="0"/>
-              <a:t>12/11/2023</a:t>
+              <a:t>13/11/2023</a:t>
             </a:fld>
             <a:endParaRPr lang="en-ID"/>
           </a:p>
@@ -2247,7 +2247,7 @@
           <a:p>
             <a:fld id="{FE50442F-C92B-412C-A847-3DDD870F9E1D}" type="datetimeFigureOut">
               <a:rPr lang="en-ID" smtClean="0"/>
-              <a:t>12/11/2023</a:t>
+              <a:t>13/11/2023</a:t>
             </a:fld>
             <a:endParaRPr lang="en-ID"/>
           </a:p>
@@ -2365,7 +2365,7 @@
           <a:p>
             <a:fld id="{FE50442F-C92B-412C-A847-3DDD870F9E1D}" type="datetimeFigureOut">
               <a:rPr lang="en-ID" smtClean="0"/>
-              <a:t>12/11/2023</a:t>
+              <a:t>13/11/2023</a:t>
             </a:fld>
             <a:endParaRPr lang="en-ID"/>
           </a:p>
@@ -2460,7 +2460,7 @@
           <a:p>
             <a:fld id="{FE50442F-C92B-412C-A847-3DDD870F9E1D}" type="datetimeFigureOut">
               <a:rPr lang="en-ID" smtClean="0"/>
-              <a:t>12/11/2023</a:t>
+              <a:t>13/11/2023</a:t>
             </a:fld>
             <a:endParaRPr lang="en-ID"/>
           </a:p>
@@ -2747,7 +2747,7 @@
           <a:p>
             <a:fld id="{FE50442F-C92B-412C-A847-3DDD870F9E1D}" type="datetimeFigureOut">
               <a:rPr lang="en-ID" smtClean="0"/>
-              <a:t>12/11/2023</a:t>
+              <a:t>13/11/2023</a:t>
             </a:fld>
             <a:endParaRPr lang="en-ID"/>
           </a:p>
@@ -3069,7 +3069,7 @@
           <a:p>
             <a:fld id="{FE50442F-C92B-412C-A847-3DDD870F9E1D}" type="datetimeFigureOut">
               <a:rPr lang="en-ID" smtClean="0"/>
-              <a:t>12/11/2023</a:t>
+              <a:t>13/11/2023</a:t>
             </a:fld>
             <a:endParaRPr lang="en-ID"/>
           </a:p>
@@ -3323,7 +3323,7 @@
           <a:p>
             <a:fld id="{FE50442F-C92B-412C-A847-3DDD870F9E1D}" type="datetimeFigureOut">
               <a:rPr lang="en-ID" smtClean="0"/>
-              <a:t>12/11/2023</a:t>
+              <a:t>13/11/2023</a:t>
             </a:fld>
             <a:endParaRPr lang="en-ID"/>
           </a:p>
@@ -3983,7 +3983,9 @@
         </p:nvSpPr>
         <p:spPr/>
         <p:txBody>
-          <a:bodyPr/>
+          <a:bodyPr>
+            <a:normAutofit/>
+          </a:bodyPr>
           <a:lstStyle/>
           <a:p>
             <a:pPr marL="0" indent="0" algn="just">
@@ -4315,28 +4317,8 @@
               <a:buNone/>
             </a:pPr>
             <a:r>
-              <a:rPr lang="en-US" sz="1600" dirty="0"/>
-              <a:t>	</a:t>
-            </a:r>
-            <a:r>
-              <a:rPr lang="en-US" sz="1600" dirty="0" err="1"/>
-              <a:t>Pengguna</a:t>
-            </a:r>
-            <a:r>
-              <a:rPr lang="en-US" sz="1600" dirty="0"/>
-              <a:t> platform Twitter yang </a:t>
-            </a:r>
-            <a:r>
-              <a:rPr lang="en-US" sz="1600" dirty="0" err="1"/>
-              <a:t>besar</a:t>
-            </a:r>
-            <a:r>
-              <a:rPr lang="en-US" sz="1600" dirty="0"/>
-              <a:t> </a:t>
-            </a:r>
-            <a:r>
-              <a:rPr lang="en-US" sz="1600" dirty="0" err="1"/>
-              <a:t>menjadi</a:t>
+              <a:rPr lang="en-US" sz="1600" dirty="0" err="1"/>
+              <a:t>Rumusan</a:t>
             </a:r>
             <a:r>
               <a:rPr lang="en-US" sz="1600" dirty="0"/>
@@ -4346,177 +4328,164 @@
               <a:rPr lang="en-US" sz="1600" dirty="0" err="1"/>
               <a:t>masalah</a:t>
             </a:r>
-            <a:r>
-              <a:rPr lang="en-US" sz="1600" dirty="0"/>
-              <a:t> </a:t>
-            </a:r>
-            <a:r>
-              <a:rPr lang="en-US" sz="1600" dirty="0" err="1"/>
-              <a:t>utama</a:t>
-            </a:r>
-            <a:r>
-              <a:rPr lang="en-US" sz="1600" dirty="0"/>
-              <a:t> </a:t>
-            </a:r>
-            <a:r>
-              <a:rPr lang="en-US" sz="1600" dirty="0" err="1"/>
+            <a:endParaRPr lang="en-US" sz="1600" dirty="0"/>
+          </a:p>
+          <a:p>
+            <a:pPr lvl="1" algn="just"/>
+            <a:r>
+              <a:rPr lang="en-US" dirty="0" err="1"/>
+              <a:t>Bagaimana</a:t>
+            </a:r>
+            <a:r>
+              <a:rPr lang="en-US" dirty="0"/>
+              <a:t> </a:t>
+            </a:r>
+            <a:r>
+              <a:rPr lang="en-US" dirty="0" err="1"/>
+              <a:t>cara</a:t>
+            </a:r>
+            <a:r>
+              <a:rPr lang="en-US" dirty="0"/>
+              <a:t> </a:t>
+            </a:r>
+            <a:r>
+              <a:rPr lang="en-US" dirty="0" err="1"/>
+              <a:t>mendeteksi</a:t>
+            </a:r>
+            <a:r>
+              <a:rPr lang="en-US" dirty="0"/>
+              <a:t> kata-kata </a:t>
+            </a:r>
+            <a:r>
+              <a:rPr lang="en-US" dirty="0" err="1"/>
+              <a:t>kasar</a:t>
+            </a:r>
+            <a:r>
+              <a:rPr lang="en-US" dirty="0"/>
+              <a:t>, </a:t>
+            </a:r>
+            <a:r>
+              <a:rPr lang="en-US" dirty="0" err="1"/>
+              <a:t>apabila</a:t>
+            </a:r>
+            <a:r>
+              <a:rPr lang="en-US" dirty="0"/>
+              <a:t> </a:t>
+            </a:r>
+            <a:r>
+              <a:rPr lang="en-US" dirty="0" err="1"/>
+              <a:t>setiap</a:t>
+            </a:r>
+            <a:r>
+              <a:rPr lang="en-US" dirty="0"/>
+              <a:t> </a:t>
+            </a:r>
+            <a:r>
+              <a:rPr lang="en-US" dirty="0" err="1"/>
+              <a:t>komentar</a:t>
+            </a:r>
+            <a:r>
+              <a:rPr lang="en-US" dirty="0"/>
+              <a:t> Twitter </a:t>
+            </a:r>
+            <a:r>
+              <a:rPr lang="en-US" dirty="0" err="1"/>
+              <a:t>memiliki</a:t>
+            </a:r>
+            <a:r>
+              <a:rPr lang="en-US" dirty="0"/>
+              <a:t> </a:t>
+            </a:r>
+            <a:r>
+              <a:rPr lang="en-US" dirty="0" err="1"/>
+              <a:t>gaya</a:t>
+            </a:r>
+            <a:r>
+              <a:rPr lang="en-US" dirty="0"/>
+              <a:t> </a:t>
+            </a:r>
+            <a:r>
+              <a:rPr lang="en-US" dirty="0" err="1"/>
+              <a:t>berbahasa</a:t>
+            </a:r>
+            <a:r>
+              <a:rPr lang="en-US" dirty="0"/>
+              <a:t> yang </a:t>
+            </a:r>
+            <a:r>
+              <a:rPr lang="en-US" dirty="0" err="1"/>
+              <a:t>berbeda</a:t>
+            </a:r>
+            <a:r>
+              <a:rPr lang="en-US" dirty="0"/>
+              <a:t>?</a:t>
+            </a:r>
+          </a:p>
+          <a:p>
+            <a:pPr lvl="1" algn="just"/>
+            <a:r>
+              <a:rPr lang="en-US" dirty="0" err="1"/>
+              <a:t>Bagaimana</a:t>
+            </a:r>
+            <a:r>
+              <a:rPr lang="en-US" dirty="0"/>
+              <a:t> </a:t>
+            </a:r>
+            <a:r>
+              <a:rPr lang="en-US" dirty="0" err="1"/>
+              <a:t>konteks</a:t>
+            </a:r>
+            <a:r>
+              <a:rPr lang="en-US" dirty="0"/>
+              <a:t> </a:t>
+            </a:r>
+            <a:r>
+              <a:rPr lang="en-US" dirty="0" err="1"/>
+              <a:t>penggunaan</a:t>
+            </a:r>
+            <a:r>
+              <a:rPr lang="en-US" dirty="0"/>
+              <a:t> </a:t>
+            </a:r>
+            <a:r>
+              <a:rPr lang="en-US" dirty="0" err="1"/>
+              <a:t>setiap</a:t>
+            </a:r>
+            <a:r>
+              <a:rPr lang="en-US" dirty="0"/>
+              <a:t> kata-kata </a:t>
+            </a:r>
+            <a:r>
+              <a:rPr lang="en-US" dirty="0" err="1"/>
+              <a:t>kasar</a:t>
+            </a:r>
+            <a:r>
+              <a:rPr lang="en-US" dirty="0"/>
+              <a:t> </a:t>
+            </a:r>
+            <a:r>
+              <a:rPr lang="en-US" dirty="0" err="1"/>
               <a:t>dalam</a:t>
             </a:r>
             <a:r>
-              <a:rPr lang="en-US" sz="1600" dirty="0"/>
-              <a:t> </a:t>
-            </a:r>
-            <a:r>
-              <a:rPr lang="en-US" sz="1600" dirty="0" err="1"/>
-              <a:t>memoderasikan</a:t>
-            </a:r>
-            <a:r>
-              <a:rPr lang="en-US" sz="1600" dirty="0"/>
-              <a:t> </a:t>
-            </a:r>
-            <a:r>
-              <a:rPr lang="en-US" sz="1600" dirty="0" err="1"/>
+              <a:rPr lang="en-US" dirty="0"/>
+              <a:t> </a:t>
+            </a:r>
+            <a:r>
+              <a:rPr lang="en-US" dirty="0" err="1"/>
               <a:t>komentar</a:t>
             </a:r>
             <a:r>
-              <a:rPr lang="en-US" sz="1600" dirty="0"/>
-              <a:t> dan </a:t>
-            </a:r>
-            <a:r>
-              <a:rPr lang="en-US" sz="1600" dirty="0" err="1"/>
-              <a:t>menjaga</a:t>
-            </a:r>
-            <a:r>
-              <a:rPr lang="en-US" sz="1600" dirty="0"/>
-              <a:t> </a:t>
-            </a:r>
-            <a:r>
-              <a:rPr lang="en-US" sz="1600" dirty="0" err="1"/>
-              <a:t>ekosistem</a:t>
-            </a:r>
-            <a:r>
-              <a:rPr lang="en-US" sz="1600" dirty="0"/>
-              <a:t> </a:t>
-            </a:r>
-            <a:r>
-              <a:rPr lang="en-US" sz="1600" dirty="0" err="1"/>
-              <a:t>percakapan</a:t>
-            </a:r>
-            <a:r>
-              <a:rPr lang="en-US" sz="1600" dirty="0"/>
-              <a:t> </a:t>
-            </a:r>
-            <a:r>
-              <a:rPr lang="en-US" sz="1600" dirty="0" err="1"/>
-              <a:t>antar</a:t>
-            </a:r>
-            <a:r>
-              <a:rPr lang="en-US" sz="1600" dirty="0"/>
-              <a:t> </a:t>
-            </a:r>
-            <a:r>
-              <a:rPr lang="en-US" sz="1600" dirty="0" err="1"/>
-              <a:t>pengguna</a:t>
-            </a:r>
-            <a:r>
-              <a:rPr lang="en-US" sz="1600" dirty="0"/>
-              <a:t>. </a:t>
-            </a:r>
-            <a:r>
-              <a:rPr lang="en-US" sz="1600" dirty="0" err="1"/>
-              <a:t>Setiap</a:t>
-            </a:r>
-            <a:r>
-              <a:rPr lang="en-US" sz="1600" dirty="0"/>
-              <a:t> </a:t>
-            </a:r>
-            <a:r>
-              <a:rPr lang="en-US" sz="1600" dirty="0" err="1"/>
-              <a:t>pengguna</a:t>
-            </a:r>
-            <a:r>
-              <a:rPr lang="en-US" sz="1600" dirty="0"/>
-              <a:t> juga </a:t>
-            </a:r>
-            <a:r>
-              <a:rPr lang="en-US" sz="1600" dirty="0" err="1"/>
-              <a:t>berasal</a:t>
-            </a:r>
-            <a:r>
-              <a:rPr lang="en-US" sz="1600" dirty="0"/>
-              <a:t> dan </a:t>
-            </a:r>
-            <a:r>
-              <a:rPr lang="en-US" sz="1600" dirty="0" err="1"/>
-              <a:t>memiliki</a:t>
-            </a:r>
-            <a:r>
-              <a:rPr lang="en-US" sz="1600" dirty="0"/>
-              <a:t> </a:t>
-            </a:r>
-            <a:r>
-              <a:rPr lang="en-US" sz="1600" dirty="0" err="1"/>
-              <a:t>latar-belakang</a:t>
-            </a:r>
-            <a:r>
-              <a:rPr lang="en-US" sz="1600" dirty="0"/>
-              <a:t> yang </a:t>
-            </a:r>
-            <a:r>
-              <a:rPr lang="en-US" sz="1600" dirty="0" err="1"/>
-              <a:t>berbeda-beda</a:t>
-            </a:r>
-            <a:r>
-              <a:rPr lang="en-US" sz="1600" dirty="0"/>
-              <a:t>, </a:t>
-            </a:r>
-            <a:r>
-              <a:rPr lang="en-US" sz="1600" dirty="0" err="1"/>
-              <a:t>sehingga</a:t>
-            </a:r>
-            <a:r>
-              <a:rPr lang="en-US" sz="1600" dirty="0"/>
-              <a:t> </a:t>
-            </a:r>
-            <a:r>
-              <a:rPr lang="en-US" sz="1600" dirty="0" err="1"/>
-              <a:t>dapat</a:t>
-            </a:r>
-            <a:r>
-              <a:rPr lang="en-US" sz="1600" dirty="0"/>
-              <a:t> </a:t>
-            </a:r>
-            <a:r>
-              <a:rPr lang="en-US" sz="1600" dirty="0" err="1"/>
-              <a:t>mempersulit</a:t>
-            </a:r>
-            <a:r>
-              <a:rPr lang="en-US" sz="1600" dirty="0"/>
-              <a:t> </a:t>
-            </a:r>
-            <a:r>
-              <a:rPr lang="en-US" sz="1600" dirty="0" err="1"/>
-              <a:t>analisis</a:t>
-            </a:r>
-            <a:r>
-              <a:rPr lang="en-US" sz="1600" dirty="0"/>
-              <a:t> </a:t>
-            </a:r>
-            <a:r>
-              <a:rPr lang="en-US" sz="1600" dirty="0" err="1"/>
-              <a:t>perkataan</a:t>
-            </a:r>
-            <a:r>
-              <a:rPr lang="en-US" sz="1600" dirty="0"/>
-              <a:t> </a:t>
-            </a:r>
-            <a:r>
-              <a:rPr lang="en-US" sz="1600" dirty="0" err="1"/>
-              <a:t>kasar</a:t>
-            </a:r>
-            <a:r>
-              <a:rPr lang="en-US" sz="1600" dirty="0"/>
-              <a:t>.</a:t>
+              <a:rPr lang="en-US" dirty="0"/>
+              <a:t> </a:t>
+            </a:r>
+            <a:r>
+              <a:rPr lang="en-US" dirty="0" err="1"/>
+              <a:t>aplikasi</a:t>
+            </a:r>
+            <a:r>
+              <a:rPr lang="en-US" dirty="0"/>
+              <a:t> Twitter?</a:t>
             </a:r>
           </a:p>
           <a:p>
@@ -4704,13 +4673,10 @@
               <a:t> </a:t>
             </a:r>
             <a:r>
-              <a:rPr lang="en-US" sz="1600" dirty="0" err="1"/>
-              <a:t>dipakai</a:t>
-            </a:r>
-            <a:r>
-              <a:rPr lang="en-US" sz="1600" dirty="0"/>
-              <a:t>.</a:t>
-            </a:r>
+              <a:rPr lang="en-US" sz="1600"/>
+              <a:t>digunakan.</a:t>
+            </a:r>
+            <a:endParaRPr lang="en-US" sz="1600" dirty="0"/>
           </a:p>
         </p:txBody>
       </p:sp>
@@ -7414,10 +7380,9 @@
               <a:t>penertawaan</a:t>
             </a:r>
             <a:r>
-              <a:rPr lang="en-US" sz="1600"/>
+              <a:rPr lang="en-US" sz="1600" dirty="0"/>
               <a:t>.</a:t>
             </a:r>
-            <a:endParaRPr lang="en-US" sz="1600" dirty="0"/>
           </a:p>
           <a:p>
             <a:pPr marL="0" indent="0" algn="just">
